--- a/演示文稿1.pptx
+++ b/演示文稿1.pptx
@@ -56,8 +56,8 @@
     <p:sldId id="305" r:id="rId44"/>
     <p:sldId id="312" r:id="rId45"/>
     <p:sldId id="314" r:id="rId46"/>
-    <p:sldId id="318" r:id="rId47"/>
-    <p:sldId id="313" r:id="rId48"/>
+    <p:sldId id="313" r:id="rId47"/>
+    <p:sldId id="311" r:id="rId48"/>
     <p:sldId id="315" r:id="rId49"/>
     <p:sldId id="288" r:id="rId50"/>
     <p:sldId id="316" r:id="rId51"/>
@@ -2997,71 +2997,22 @@
             </a:r>
             <a:r>
               <a:rPr kumimoji="1" lang="zh-CN" altLang="en-US" dirty="0" smtClean="0"/>
-              <a:t> 会首先进入什么领域呢，洼地最大的地方才首先应用的场景</a:t>
-            </a:r>
+              <a:t> 会首先进入什么领域呢，洼地最大的地方才首先应用的场景。</a:t>
+            </a:r>
+          </a:p>
+          <a:p>
+            <a:endParaRPr kumimoji="1" lang="zh-CN" altLang="en-US" dirty="0" smtClean="0"/>
+          </a:p>
+          <a:p>
             <a:r>
               <a:rPr kumimoji="1" lang="zh-CN" altLang="en-US" dirty="0" smtClean="0"/>
-              <a:t>。</a:t>
-            </a:r>
-            <a:endParaRPr kumimoji="1" lang="en-US" altLang="zh-CN" dirty="0" smtClean="0"/>
-          </a:p>
-          <a:p>
-            <a:endParaRPr kumimoji="1" lang="zh-CN" altLang="en-US" dirty="0" smtClean="0"/>
-          </a:p>
-          <a:p>
-            <a:r>
-              <a:rPr kumimoji="1" lang="zh-CN" altLang="en-US" dirty="0" smtClean="0"/>
-              <a:t>有一个锤子，但是不能什么都是钉子。</a:t>
-            </a:r>
-            <a:r>
-              <a:rPr kumimoji="1" lang="zh-CN" altLang="en-US" dirty="0" smtClean="0"/>
-              <a:t>。</a:t>
-            </a:r>
-          </a:p>
-          <a:p>
-            <a:endParaRPr kumimoji="1" lang="zh-CN" altLang="en-US" dirty="0" smtClean="0"/>
-          </a:p>
-          <a:p>
-            <a:r>
-              <a:rPr kumimoji="1" lang="zh-CN" altLang="en-US" dirty="0" smtClean="0"/>
-              <a:t>需要</a:t>
-            </a:r>
-            <a:r>
-              <a:rPr kumimoji="1" lang="zh-CN" altLang="en-US" dirty="0" smtClean="0"/>
-              <a:t>降级信任成本的地方，过去依赖权威的领域：</a:t>
-            </a:r>
-          </a:p>
-          <a:p>
-            <a:pPr marL="0" marR="0" indent="0" algn="l" defTabSz="914400" rtl="0" eaLnBrk="1" fontAlgn="auto" latinLnBrk="0" hangingPunct="1">
-              <a:lnSpc>
-                <a:spcPct val="100000"/>
-              </a:lnSpc>
-              <a:spcBef>
-                <a:spcPts val="0"/>
-              </a:spcBef>
-              <a:spcAft>
-                <a:spcPts val="0"/>
-              </a:spcAft>
-              <a:buClrTx/>
-              <a:buSzTx/>
-              <a:buFontTx/>
-              <a:buNone/>
-              <a:tabLst/>
-              <a:defRPr/>
-            </a:pPr>
-            <a:r>
-              <a:rPr kumimoji="1" lang="zh-CN" altLang="en-US" dirty="0" smtClean="0"/>
-              <a:t>需要提供分布的安全的，</a:t>
+              <a:t>有一个锤子，但是不能什么都是钉子。。需要降级信任成本的地方，过去依赖权威的领域：</a:t>
             </a:r>
           </a:p>
           <a:p>
             <a:r>
               <a:rPr kumimoji="1" lang="en-US" altLang="zh-CN" dirty="0" smtClean="0"/>
-              <a:t>1</a:t>
-            </a:r>
-            <a:r>
-              <a:rPr kumimoji="1" lang="en-US" altLang="zh-CN" dirty="0" smtClean="0"/>
-              <a:t>.</a:t>
+              <a:t>1.</a:t>
             </a:r>
             <a:r>
               <a:rPr kumimoji="1" lang="zh-CN" altLang="en-US" dirty="0" smtClean="0"/>
@@ -3091,33 +3042,6 @@
             <a:r>
               <a:rPr kumimoji="1" lang="zh-CN" altLang="en-US" dirty="0" smtClean="0"/>
               <a:t>征信</a:t>
-            </a:r>
-          </a:p>
-          <a:p>
-            <a:pPr marL="0" marR="0" indent="0" algn="l" defTabSz="914400" rtl="0" eaLnBrk="1" fontAlgn="auto" latinLnBrk="0" hangingPunct="1">
-              <a:lnSpc>
-                <a:spcPct val="100000"/>
-              </a:lnSpc>
-              <a:spcBef>
-                <a:spcPts val="0"/>
-              </a:spcBef>
-              <a:spcAft>
-                <a:spcPts val="0"/>
-              </a:spcAft>
-              <a:buClrTx/>
-              <a:buSzTx/>
-              <a:buFontTx/>
-              <a:buNone/>
-              <a:tabLst/>
-              <a:defRPr/>
-            </a:pPr>
-            <a:r>
-              <a:rPr kumimoji="1" lang="en-US" altLang="zh-CN" dirty="0" smtClean="0"/>
-              <a:t>4.</a:t>
-            </a:r>
-            <a:r>
-              <a:rPr kumimoji="1" lang="zh-CN" altLang="en-US" dirty="0" smtClean="0"/>
-              <a:t>需要提供分布的安全的，比如银行搭建的联盟链</a:t>
             </a:r>
           </a:p>
           <a:p>
@@ -16171,30 +16095,6 @@
           </a:p>
         </p:txBody>
       </p:sp>
-      <p:pic>
-        <p:nvPicPr>
-          <p:cNvPr id="4" name="图片 3"/>
-          <p:cNvPicPr>
-            <a:picLocks noChangeAspect="1"/>
-          </p:cNvPicPr>
-          <p:nvPr/>
-        </p:nvPicPr>
-        <p:blipFill>
-          <a:blip r:embed="rId2"/>
-          <a:stretch>
-            <a:fillRect/>
-          </a:stretch>
-        </p:blipFill>
-        <p:spPr>
-          <a:xfrm>
-            <a:off x="5733451" y="1128451"/>
-            <a:ext cx="5075152" cy="4344330"/>
-          </a:xfrm>
-          <a:prstGeom prst="rect">
-            <a:avLst/>
-          </a:prstGeom>
-        </p:spPr>
-      </p:pic>
     </p:spTree>
     <p:extLst>
       <p:ext uri="{BB962C8B-B14F-4D97-AF65-F5344CB8AC3E}">
@@ -20073,20 +19973,8 @@
           <a:p>
             <a:r>
               <a:rPr kumimoji="1" lang="zh-CN" altLang="en-US" dirty="0" smtClean="0"/>
-              <a:t>命令行工</a:t>
-            </a:r>
-            <a:r>
-              <a:rPr kumimoji="1" lang="zh-CN" altLang="en-US" dirty="0" smtClean="0"/>
-              <a:t>具</a:t>
-            </a:r>
-            <a:endParaRPr kumimoji="1" lang="en-US" altLang="zh-CN" dirty="0" smtClean="0"/>
-          </a:p>
-          <a:p>
-            <a:r>
-              <a:rPr kumimoji="1" lang="zh-CN" altLang="en-US" dirty="0" smtClean="0"/>
-              <a:t>如何挖矿</a:t>
-            </a:r>
-            <a:endParaRPr kumimoji="1" lang="zh-CN" altLang="en-US" dirty="0" smtClean="0"/>
+              <a:t>命令行工具</a:t>
+            </a:r>
           </a:p>
           <a:p>
             <a:r>
@@ -20142,8 +20030,8 @@
           <a:lstStyle/>
           <a:p>
             <a:r>
-              <a:rPr kumimoji="1" lang="en-US" altLang="zh-CN" dirty="0" smtClean="0"/>
-              <a:t>MIST</a:t>
+              <a:rPr kumimoji="1" lang="zh-CN" altLang="en-US" dirty="0" smtClean="0"/>
+              <a:t>如何部署合约交易</a:t>
             </a:r>
             <a:endParaRPr kumimoji="1" lang="zh-CN" altLang="en-US" dirty="0"/>
           </a:p>
@@ -20164,14 +20052,43 @@
           <a:bodyPr/>
           <a:lstStyle/>
           <a:p>
-            <a:endParaRPr kumimoji="1" lang="zh-CN" altLang="en-US"/>
+            <a:r>
+              <a:rPr kumimoji="1" lang="en-US" altLang="zh-CN" dirty="0" smtClean="0"/>
+              <a:t>Mist</a:t>
+            </a:r>
+          </a:p>
+          <a:p>
+            <a:r>
+              <a:rPr kumimoji="1" lang="zh-CN" altLang="en-US" dirty="0" smtClean="0"/>
+              <a:t>其实</a:t>
+            </a:r>
+            <a:r>
+              <a:rPr kumimoji="1" lang="en-US" altLang="zh-CN" dirty="0" err="1" smtClean="0"/>
+              <a:t>geth</a:t>
+            </a:r>
+            <a:r>
+              <a:rPr kumimoji="1" lang="zh-CN" altLang="en-US" dirty="0" smtClean="0"/>
+              <a:t> 命令行也是可以的。</a:t>
+            </a:r>
+          </a:p>
+          <a:p>
+            <a:r>
+              <a:rPr kumimoji="1" lang="zh-CN" altLang="en-US" dirty="0" smtClean="0"/>
+              <a:t>我们前期先使用字节码</a:t>
+            </a:r>
+          </a:p>
+          <a:p>
+            <a:pPr marL="0" indent="0">
+              <a:buNone/>
+            </a:pPr>
+            <a:endParaRPr kumimoji="1" lang="zh-CN" altLang="en-US" dirty="0"/>
           </a:p>
         </p:txBody>
       </p:sp>
     </p:spTree>
     <p:extLst>
       <p:ext uri="{BB962C8B-B14F-4D97-AF65-F5344CB8AC3E}">
-        <p14:creationId xmlns:p14="http://schemas.microsoft.com/office/powerpoint/2010/main" val="708921588"/>
+        <p14:creationId xmlns:p14="http://schemas.microsoft.com/office/powerpoint/2010/main" val="1139667637"/>
       </p:ext>
     </p:extLst>
   </p:cSld>
@@ -20215,7 +20132,11 @@
           <a:p>
             <a:r>
               <a:rPr kumimoji="1" lang="zh-CN" altLang="en-US" dirty="0" smtClean="0"/>
-              <a:t>如何部署合约交易</a:t>
+              <a:t>领取测试网络的</a:t>
+            </a:r>
+            <a:r>
+              <a:rPr kumimoji="1" lang="en-US" altLang="zh-CN" dirty="0" smtClean="0"/>
+              <a:t>eth</a:t>
             </a:r>
             <a:endParaRPr kumimoji="1" lang="zh-CN" altLang="en-US" dirty="0"/>
           </a:p>
@@ -20237,34 +20158,9 @@
           <a:lstStyle/>
           <a:p>
             <a:r>
-              <a:rPr kumimoji="1" lang="en-US" altLang="zh-CN" dirty="0" smtClean="0"/>
-              <a:t>Mist</a:t>
-            </a:r>
-          </a:p>
-          <a:p>
-            <a:r>
-              <a:rPr kumimoji="1" lang="zh-CN" altLang="en-US" dirty="0" smtClean="0"/>
-              <a:t>其实</a:t>
-            </a:r>
-            <a:r>
-              <a:rPr kumimoji="1" lang="en-US" altLang="zh-CN" dirty="0" err="1" smtClean="0"/>
-              <a:t>geth</a:t>
-            </a:r>
-            <a:r>
-              <a:rPr kumimoji="1" lang="zh-CN" altLang="en-US" dirty="0" smtClean="0"/>
-              <a:t> 命令行也是可以的。</a:t>
-            </a:r>
-          </a:p>
-          <a:p>
-            <a:r>
-              <a:rPr kumimoji="1" lang="zh-CN" altLang="en-US" dirty="0" smtClean="0"/>
-              <a:t>我们前期先使用字节码</a:t>
-            </a:r>
-          </a:p>
-          <a:p>
-            <a:pPr marL="0" indent="0">
-              <a:buNone/>
-            </a:pPr>
+              <a:rPr kumimoji="1" lang="en-US" altLang="zh-CN" dirty="0"/>
+              <a:t>http://faucet.ropsten.be:3001/</a:t>
+            </a:r>
             <a:endParaRPr kumimoji="1" lang="zh-CN" altLang="en-US" dirty="0"/>
           </a:p>
         </p:txBody>
@@ -20272,7 +20168,7 @@
     </p:spTree>
     <p:extLst>
       <p:ext uri="{BB962C8B-B14F-4D97-AF65-F5344CB8AC3E}">
-        <p14:creationId xmlns:p14="http://schemas.microsoft.com/office/powerpoint/2010/main" val="1139667637"/>
+        <p14:creationId xmlns:p14="http://schemas.microsoft.com/office/powerpoint/2010/main" val="962622976"/>
       </p:ext>
     </p:extLst>
   </p:cSld>
@@ -20421,7 +20317,11 @@
             </a:r>
             <a:r>
               <a:rPr kumimoji="1" lang="zh-CN" altLang="en-US" dirty="0" smtClean="0"/>
-              <a:t> 下载下周的组建</a:t>
+              <a:t> 下载下周的</a:t>
+            </a:r>
+            <a:r>
+              <a:rPr kumimoji="1" lang="zh-CN" altLang="en-US" dirty="0" smtClean="0"/>
+              <a:t>组建</a:t>
             </a:r>
           </a:p>
           <a:p>
